--- a/outputs/figures/methods-schematic.pptx
+++ b/outputs/figures/methods-schematic.pptx
@@ -107,6 +107,11 @@
       </a:defRPr>
     </a:lvl9pPr>
   </p:defaultTextStyle>
+  <p:extLst>
+    <p:ext uri="{EFAFB233-063F-42B5-8137-9DF3F51BA10A}">
+      <p15:sldGuideLst xmlns:p15="http://schemas.microsoft.com/office/powerpoint/2012/main"/>
+    </p:ext>
+  </p:extLst>
 </p:presentation>
 </file>
 
@@ -192,7 +197,7 @@
           <a:p>
             <a:fld id="{0C1EFCC8-F58D-3148-B2F8-18884F7D6D8C}" type="datetimeFigureOut">
               <a:rPr lang="en-GB" smtClean="0"/>
-              <a:t>04/06/2023</a:t>
+              <a:t>05/06/2023</a:t>
             </a:fld>
             <a:endParaRPr lang="en-GB"/>
           </a:p>
@@ -679,7 +684,7 @@
           <a:p>
             <a:fld id="{4ECFD2FF-11E5-584C-85D2-3BDAD4018325}" type="datetimeFigureOut">
               <a:rPr lang="en-GB" smtClean="0"/>
-              <a:t>04/06/2023</a:t>
+              <a:t>05/06/2023</a:t>
             </a:fld>
             <a:endParaRPr lang="en-GB"/>
           </a:p>
@@ -849,7 +854,7 @@
           <a:p>
             <a:fld id="{4ECFD2FF-11E5-584C-85D2-3BDAD4018325}" type="datetimeFigureOut">
               <a:rPr lang="en-GB" smtClean="0"/>
-              <a:t>04/06/2023</a:t>
+              <a:t>05/06/2023</a:t>
             </a:fld>
             <a:endParaRPr lang="en-GB"/>
           </a:p>
@@ -1029,7 +1034,7 @@
           <a:p>
             <a:fld id="{4ECFD2FF-11E5-584C-85D2-3BDAD4018325}" type="datetimeFigureOut">
               <a:rPr lang="en-GB" smtClean="0"/>
-              <a:t>04/06/2023</a:t>
+              <a:t>05/06/2023</a:t>
             </a:fld>
             <a:endParaRPr lang="en-GB"/>
           </a:p>
@@ -1199,7 +1204,7 @@
           <a:p>
             <a:fld id="{4ECFD2FF-11E5-584C-85D2-3BDAD4018325}" type="datetimeFigureOut">
               <a:rPr lang="en-GB" smtClean="0"/>
-              <a:t>04/06/2023</a:t>
+              <a:t>05/06/2023</a:t>
             </a:fld>
             <a:endParaRPr lang="en-GB"/>
           </a:p>
@@ -1445,7 +1450,7 @@
           <a:p>
             <a:fld id="{4ECFD2FF-11E5-584C-85D2-3BDAD4018325}" type="datetimeFigureOut">
               <a:rPr lang="en-GB" smtClean="0"/>
-              <a:t>04/06/2023</a:t>
+              <a:t>05/06/2023</a:t>
             </a:fld>
             <a:endParaRPr lang="en-GB"/>
           </a:p>
@@ -1677,7 +1682,7 @@
           <a:p>
             <a:fld id="{4ECFD2FF-11E5-584C-85D2-3BDAD4018325}" type="datetimeFigureOut">
               <a:rPr lang="en-GB" smtClean="0"/>
-              <a:t>04/06/2023</a:t>
+              <a:t>05/06/2023</a:t>
             </a:fld>
             <a:endParaRPr lang="en-GB"/>
           </a:p>
@@ -2044,7 +2049,7 @@
           <a:p>
             <a:fld id="{4ECFD2FF-11E5-584C-85D2-3BDAD4018325}" type="datetimeFigureOut">
               <a:rPr lang="en-GB" smtClean="0"/>
-              <a:t>04/06/2023</a:t>
+              <a:t>05/06/2023</a:t>
             </a:fld>
             <a:endParaRPr lang="en-GB"/>
           </a:p>
@@ -2162,7 +2167,7 @@
           <a:p>
             <a:fld id="{4ECFD2FF-11E5-584C-85D2-3BDAD4018325}" type="datetimeFigureOut">
               <a:rPr lang="en-GB" smtClean="0"/>
-              <a:t>04/06/2023</a:t>
+              <a:t>05/06/2023</a:t>
             </a:fld>
             <a:endParaRPr lang="en-GB"/>
           </a:p>
@@ -2257,7 +2262,7 @@
           <a:p>
             <a:fld id="{4ECFD2FF-11E5-584C-85D2-3BDAD4018325}" type="datetimeFigureOut">
               <a:rPr lang="en-GB" smtClean="0"/>
-              <a:t>04/06/2023</a:t>
+              <a:t>05/06/2023</a:t>
             </a:fld>
             <a:endParaRPr lang="en-GB"/>
           </a:p>
@@ -2534,7 +2539,7 @@
           <a:p>
             <a:fld id="{4ECFD2FF-11E5-584C-85D2-3BDAD4018325}" type="datetimeFigureOut">
               <a:rPr lang="en-GB" smtClean="0"/>
-              <a:t>04/06/2023</a:t>
+              <a:t>05/06/2023</a:t>
             </a:fld>
             <a:endParaRPr lang="en-GB"/>
           </a:p>
@@ -2791,7 +2796,7 @@
           <a:p>
             <a:fld id="{4ECFD2FF-11E5-584C-85D2-3BDAD4018325}" type="datetimeFigureOut">
               <a:rPr lang="en-GB" smtClean="0"/>
-              <a:t>04/06/2023</a:t>
+              <a:t>05/06/2023</a:t>
             </a:fld>
             <a:endParaRPr lang="en-GB"/>
           </a:p>
@@ -3004,7 +3009,7 @@
           <a:p>
             <a:fld id="{4ECFD2FF-11E5-584C-85D2-3BDAD4018325}" type="datetimeFigureOut">
               <a:rPr lang="en-GB" smtClean="0"/>
-              <a:t>04/06/2023</a:t>
+              <a:t>05/06/2023</a:t>
             </a:fld>
             <a:endParaRPr lang="en-GB"/>
           </a:p>
@@ -3411,6 +3416,70 @@
       </p:grpSpPr>
       <p:pic>
         <p:nvPicPr>
+          <p:cNvPr id="3" name="Picture 2">
+            <a:extLst>
+              <a:ext uri="{FF2B5EF4-FFF2-40B4-BE49-F238E27FC236}">
+                <a16:creationId xmlns:a16="http://schemas.microsoft.com/office/drawing/2014/main" id="{2C70EB5A-B2E8-C5EE-224F-3F0A4F8324C5}"/>
+              </a:ext>
+            </a:extLst>
+          </p:cNvPr>
+          <p:cNvPicPr>
+            <a:picLocks noChangeAspect="1"/>
+          </p:cNvPicPr>
+          <p:nvPr/>
+        </p:nvPicPr>
+        <p:blipFill rotWithShape="1">
+          <a:blip r:embed="rId3"/>
+          <a:srcRect t="8533"/>
+          <a:stretch/>
+        </p:blipFill>
+        <p:spPr>
+          <a:xfrm>
+            <a:off x="6263373" y="3419899"/>
+            <a:ext cx="2682815" cy="1472331"/>
+          </a:xfrm>
+          <a:prstGeom prst="rect">
+            <a:avLst/>
+          </a:prstGeom>
+          <a:solidFill>
+            <a:schemeClr val="bg1"/>
+          </a:solidFill>
+        </p:spPr>
+      </p:pic>
+      <p:pic>
+        <p:nvPicPr>
+          <p:cNvPr id="2" name="Picture 1">
+            <a:extLst>
+              <a:ext uri="{FF2B5EF4-FFF2-40B4-BE49-F238E27FC236}">
+                <a16:creationId xmlns:a16="http://schemas.microsoft.com/office/drawing/2014/main" id="{F6FCF03B-EBED-C950-3CA1-84D67746C0DB}"/>
+              </a:ext>
+            </a:extLst>
+          </p:cNvPr>
+          <p:cNvPicPr>
+            <a:picLocks noChangeAspect="1"/>
+          </p:cNvPicPr>
+          <p:nvPr/>
+        </p:nvPicPr>
+        <p:blipFill rotWithShape="1">
+          <a:blip r:embed="rId3"/>
+          <a:srcRect l="2887" t="8533"/>
+          <a:stretch/>
+        </p:blipFill>
+        <p:spPr>
+          <a:xfrm>
+            <a:off x="6472282" y="3479483"/>
+            <a:ext cx="2605366" cy="1472331"/>
+          </a:xfrm>
+          <a:prstGeom prst="rect">
+            <a:avLst/>
+          </a:prstGeom>
+          <a:solidFill>
+            <a:schemeClr val="bg1"/>
+          </a:solidFill>
+        </p:spPr>
+      </p:pic>
+      <p:pic>
+        <p:nvPicPr>
           <p:cNvPr id="12" name="Picture 11">
             <a:extLst>
               <a:ext uri="{FF2B5EF4-FFF2-40B4-BE49-F238E27FC236}">
@@ -3424,7 +3493,7 @@
           <p:nvPr/>
         </p:nvPicPr>
         <p:blipFill>
-          <a:blip r:embed="rId3"/>
+          <a:blip r:embed="rId4"/>
           <a:stretch>
             <a:fillRect/>
           </a:stretch>
@@ -3454,7 +3523,7 @@
           <p:nvPr/>
         </p:nvPicPr>
         <p:blipFill rotWithShape="1">
-          <a:blip r:embed="rId4"/>
+          <a:blip r:embed="rId5"/>
           <a:srcRect l="7453"/>
           <a:stretch/>
         </p:blipFill>
@@ -4763,10 +4832,10 @@
           <p:nvPr/>
         </p:nvPicPr>
         <p:blipFill>
-          <a:blip r:embed="rId5">
+          <a:blip r:embed="rId6">
             <a:extLst>
               <a:ext uri="{96DAC541-7B7A-43D3-8B79-37D633B846F1}">
-                <asvg:svgBlip xmlns:asvg="http://schemas.microsoft.com/office/drawing/2016/SVG/main" r:embed="rId6"/>
+                <asvg:svgBlip xmlns:asvg="http://schemas.microsoft.com/office/drawing/2016/SVG/main" r:embed="rId7"/>
               </a:ext>
             </a:extLst>
           </a:blip>
@@ -4799,10 +4868,10 @@
           <p:nvPr/>
         </p:nvPicPr>
         <p:blipFill>
-          <a:blip r:embed="rId7">
+          <a:blip r:embed="rId8">
             <a:extLst>
               <a:ext uri="{96DAC541-7B7A-43D3-8B79-37D633B846F1}">
-                <asvg:svgBlip xmlns:asvg="http://schemas.microsoft.com/office/drawing/2016/SVG/main" r:embed="rId8"/>
+                <asvg:svgBlip xmlns:asvg="http://schemas.microsoft.com/office/drawing/2016/SVG/main" r:embed="rId9"/>
               </a:ext>
             </a:extLst>
           </a:blip>
@@ -5076,10 +5145,10 @@
           <p:nvPr/>
         </p:nvPicPr>
         <p:blipFill>
-          <a:blip r:embed="rId9">
+          <a:blip r:embed="rId10">
             <a:extLst>
               <a:ext uri="{96DAC541-7B7A-43D3-8B79-37D633B846F1}">
-                <asvg:svgBlip xmlns:asvg="http://schemas.microsoft.com/office/drawing/2016/SVG/main" r:embed="rId10"/>
+                <asvg:svgBlip xmlns:asvg="http://schemas.microsoft.com/office/drawing/2016/SVG/main" r:embed="rId11"/>
               </a:ext>
             </a:extLst>
           </a:blip>
@@ -5112,10 +5181,10 @@
           <p:nvPr/>
         </p:nvPicPr>
         <p:blipFill>
-          <a:blip r:embed="rId11">
+          <a:blip r:embed="rId12">
             <a:extLst>
               <a:ext uri="{96DAC541-7B7A-43D3-8B79-37D633B846F1}">
-                <asvg:svgBlip xmlns:asvg="http://schemas.microsoft.com/office/drawing/2016/SVG/main" r:embed="rId12"/>
+                <asvg:svgBlip xmlns:asvg="http://schemas.microsoft.com/office/drawing/2016/SVG/main" r:embed="rId13"/>
               </a:ext>
             </a:extLst>
           </a:blip>
@@ -5237,7 +5306,7 @@
           <p:nvPr/>
         </p:nvPicPr>
         <p:blipFill>
-          <a:blip r:embed="rId13"/>
+          <a:blip r:embed="rId14"/>
           <a:stretch>
             <a:fillRect/>
           </a:stretch>
@@ -5267,7 +5336,7 @@
           <p:nvPr/>
         </p:nvPicPr>
         <p:blipFill>
-          <a:blip r:embed="rId14"/>
+          <a:blip r:embed="rId15"/>
           <a:stretch>
             <a:fillRect/>
           </a:stretch>
@@ -5337,10 +5406,10 @@
           <p:nvPr/>
         </p:nvPicPr>
         <p:blipFill>
-          <a:blip r:embed="rId15">
+          <a:blip r:embed="rId16">
             <a:extLst>
               <a:ext uri="{96DAC541-7B7A-43D3-8B79-37D633B846F1}">
-                <asvg:svgBlip xmlns:asvg="http://schemas.microsoft.com/office/drawing/2016/SVG/main" r:embed="rId16"/>
+                <asvg:svgBlip xmlns:asvg="http://schemas.microsoft.com/office/drawing/2016/SVG/main" r:embed="rId17"/>
               </a:ext>
             </a:extLst>
           </a:blip>
@@ -5373,7 +5442,7 @@
           <p:nvPr/>
         </p:nvPicPr>
         <p:blipFill rotWithShape="1">
-          <a:blip r:embed="rId17"/>
+          <a:blip r:embed="rId18"/>
           <a:srcRect l="7139"/>
           <a:stretch/>
         </p:blipFill>
@@ -5485,7 +5554,7 @@
           <p:nvPr/>
         </p:nvPicPr>
         <p:blipFill>
-          <a:blip r:embed="rId18"/>
+          <a:blip r:embed="rId19"/>
           <a:stretch>
             <a:fillRect/>
           </a:stretch>
@@ -5514,20 +5583,22 @@
           </p:cNvPicPr>
           <p:nvPr/>
         </p:nvPicPr>
-        <p:blipFill>
-          <a:blip r:embed="rId19"/>
-          <a:stretch>
-            <a:fillRect/>
-          </a:stretch>
+        <p:blipFill rotWithShape="1">
+          <a:blip r:embed="rId3"/>
+          <a:srcRect l="2887"/>
+          <a:stretch/>
         </p:blipFill>
         <p:spPr>
           <a:xfrm>
-            <a:off x="6245213" y="3288790"/>
-            <a:ext cx="2682815" cy="1609690"/>
+            <a:off x="6603742" y="3410804"/>
+            <a:ext cx="2605366" cy="1609690"/>
           </a:xfrm>
           <a:prstGeom prst="rect">
             <a:avLst/>
           </a:prstGeom>
+          <a:solidFill>
+            <a:schemeClr val="bg1"/>
+          </a:solidFill>
         </p:spPr>
       </p:pic>
       <p:sp>
@@ -5544,7 +5615,7 @@
         </p:nvSpPr>
         <p:spPr>
           <a:xfrm>
-            <a:off x="8935197" y="3654605"/>
+            <a:off x="9211368" y="3710025"/>
             <a:ext cx="1735213" cy="970074"/>
           </a:xfrm>
           <a:prstGeom prst="rect">
